--- a/ps6/computational/code_screenshots/code.pptx
+++ b/ps6/computational/code_screenshots/code.pptx
@@ -7,6 +7,7 @@
   <p:sldIdLst>
     <p:sldId id="256" r:id="rId2"/>
     <p:sldId id="257" r:id="rId3"/>
+    <p:sldId id="258" r:id="rId4"/>
   </p:sldIdLst>
   <p:sldSz cx="12192000" cy="6858000"/>
   <p:notesSz cx="6858000" cy="9144000"/>
@@ -3398,15 +3399,45 @@
                   <a:srgbClr val="C00000"/>
                 </a:solidFill>
               </a:rPr>
-              <a:t>(d) </a:t>
-            </a:r>
+              <a:t>(d) Message update</a:t>
+            </a:r>
+            <a:endParaRPr lang="en-US" sz="2400" b="1" dirty="0">
+              <a:solidFill>
+                <a:srgbClr val="C00000"/>
+              </a:solidFill>
+            </a:endParaRPr>
+          </a:p>
+        </p:txBody>
+      </p:sp>
+      <p:sp>
+        <p:nvSpPr>
+          <p:cNvPr id="10" name="TextBox 9"/>
+          <p:cNvSpPr txBox="1"/>
+          <p:nvPr/>
+        </p:nvSpPr>
+        <p:spPr>
+          <a:xfrm>
+            <a:off x="929639" y="3143133"/>
+            <a:ext cx="3057247" cy="461665"/>
+          </a:xfrm>
+          <a:prstGeom prst="rect">
+            <a:avLst/>
+          </a:prstGeom>
+          <a:noFill/>
+        </p:spPr>
+        <p:txBody>
+          <a:bodyPr wrap="none" rtlCol="0">
+            <a:spAutoFit/>
+          </a:bodyPr>
+          <a:lstStyle/>
+          <a:p>
             <a:r>
               <a:rPr lang="en-US" sz="2400" b="1" dirty="0" smtClean="0">
                 <a:solidFill>
                   <a:srgbClr val="C00000"/>
                 </a:solidFill>
               </a:rPr>
-              <a:t>Message update</a:t>
+              <a:t>(g) Gibbs block sample</a:t>
             </a:r>
             <a:endParaRPr lang="en-US" sz="2400" b="1" dirty="0">
               <a:solidFill>
@@ -3418,13 +3449,643 @@
       </p:sp>
       <p:sp>
         <p:nvSpPr>
-          <p:cNvPr id="10" name="TextBox 9"/>
+          <p:cNvPr id="11" name="TextBox 10"/>
           <p:cNvSpPr txBox="1"/>
           <p:nvPr/>
         </p:nvSpPr>
         <p:spPr>
           <a:xfrm>
-            <a:off x="929639" y="3143133"/>
+            <a:off x="6421140" y="200539"/>
+            <a:ext cx="3689921" cy="461665"/>
+          </a:xfrm>
+          <a:prstGeom prst="rect">
+            <a:avLst/>
+          </a:prstGeom>
+          <a:noFill/>
+        </p:spPr>
+        <p:txBody>
+          <a:bodyPr wrap="none" rtlCol="0">
+            <a:spAutoFit/>
+          </a:bodyPr>
+          <a:lstStyle/>
+          <a:p>
+            <a:r>
+              <a:rPr lang="en-US" sz="2400" b="1" dirty="0" smtClean="0">
+                <a:solidFill>
+                  <a:srgbClr val="C00000"/>
+                </a:solidFill>
+              </a:rPr>
+              <a:t>(e) Serial block propagation</a:t>
+            </a:r>
+            <a:endParaRPr lang="en-US" sz="2400" b="1" dirty="0">
+              <a:solidFill>
+                <a:srgbClr val="C00000"/>
+              </a:solidFill>
+            </a:endParaRPr>
+          </a:p>
+        </p:txBody>
+      </p:sp>
+      <p:sp>
+        <p:nvSpPr>
+          <p:cNvPr id="12" name="TextBox 11"/>
+          <p:cNvSpPr txBox="1"/>
+          <p:nvPr/>
+        </p:nvSpPr>
+        <p:spPr>
+          <a:xfrm>
+            <a:off x="8568798" y="5669759"/>
+            <a:ext cx="2459006" cy="461665"/>
+          </a:xfrm>
+          <a:prstGeom prst="rect">
+            <a:avLst/>
+          </a:prstGeom>
+          <a:noFill/>
+        </p:spPr>
+        <p:txBody>
+          <a:bodyPr wrap="none" rtlCol="0">
+            <a:spAutoFit/>
+          </a:bodyPr>
+          <a:lstStyle/>
+          <a:p>
+            <a:r>
+              <a:rPr lang="en-US" sz="2400" b="1" dirty="0" smtClean="0">
+                <a:solidFill>
+                  <a:srgbClr val="C00000"/>
+                </a:solidFill>
+              </a:rPr>
+              <a:t>(f) Traversal order</a:t>
+            </a:r>
+            <a:endParaRPr lang="en-US" sz="2400" b="1" dirty="0">
+              <a:solidFill>
+                <a:srgbClr val="C00000"/>
+              </a:solidFill>
+            </a:endParaRPr>
+          </a:p>
+        </p:txBody>
+      </p:sp>
+      <p:sp>
+        <p:nvSpPr>
+          <p:cNvPr id="13" name="TextBox 12"/>
+          <p:cNvSpPr txBox="1"/>
+          <p:nvPr/>
+        </p:nvSpPr>
+        <p:spPr>
+          <a:xfrm>
+            <a:off x="9003020" y="7334902"/>
+            <a:ext cx="2425664" cy="461665"/>
+          </a:xfrm>
+          <a:prstGeom prst="rect">
+            <a:avLst/>
+          </a:prstGeom>
+          <a:noFill/>
+        </p:spPr>
+        <p:txBody>
+          <a:bodyPr wrap="none" rtlCol="0">
+            <a:spAutoFit/>
+          </a:bodyPr>
+          <a:lstStyle/>
+          <a:p>
+            <a:r>
+              <a:rPr lang="en-US" sz="2400" b="1" smtClean="0">
+                <a:solidFill>
+                  <a:srgbClr val="C00000"/>
+                </a:solidFill>
+              </a:rPr>
+              <a:t>(h) Sampling </a:t>
+            </a:r>
+            <a:r>
+              <a:rPr lang="en-US" sz="2400" b="1" dirty="0" smtClean="0">
+                <a:solidFill>
+                  <a:srgbClr val="C00000"/>
+                </a:solidFill>
+              </a:rPr>
+              <a:t>loop</a:t>
+            </a:r>
+            <a:endParaRPr lang="en-US" sz="2400" b="1" dirty="0">
+              <a:solidFill>
+                <a:srgbClr val="C00000"/>
+              </a:solidFill>
+            </a:endParaRPr>
+          </a:p>
+        </p:txBody>
+      </p:sp>
+    </p:spTree>
+    <p:extLst>
+      <p:ext uri="{BB962C8B-B14F-4D97-AF65-F5344CB8AC3E}">
+        <p14:creationId xmlns:p14="http://schemas.microsoft.com/office/powerpoint/2010/main" val="1958789892"/>
+      </p:ext>
+    </p:extLst>
+  </p:cSld>
+  <p:clrMapOvr>
+    <a:masterClrMapping/>
+  </p:clrMapOvr>
+</p:sld>
+</file>
+
+<file path=ppt/slides/slide3.xml><?xml version="1.0" encoding="utf-8"?>
+<p:sld xmlns:a="http://schemas.openxmlformats.org/drawingml/2006/main" xmlns:r="http://schemas.openxmlformats.org/officeDocument/2006/relationships" xmlns:p="http://schemas.openxmlformats.org/presentationml/2006/main">
+  <p:cSld>
+    <p:spTree>
+      <p:nvGrpSpPr>
+        <p:cNvPr id="1" name=""/>
+        <p:cNvGrpSpPr/>
+        <p:nvPr/>
+      </p:nvGrpSpPr>
+      <p:grpSpPr>
+        <a:xfrm>
+          <a:off x="0" y="0"/>
+          <a:ext cx="0" cy="0"/>
+          <a:chOff x="0" y="0"/>
+          <a:chExt cx="0" cy="0"/>
+        </a:xfrm>
+      </p:grpSpPr>
+      <p:pic>
+        <p:nvPicPr>
+          <p:cNvPr id="3" name="Picture 2"/>
+          <p:cNvPicPr>
+            <a:picLocks noChangeAspect="1"/>
+          </p:cNvPicPr>
+          <p:nvPr/>
+        </p:nvPicPr>
+        <p:blipFill>
+          <a:blip r:embed="rId2">
+            <a:extLst>
+              <a:ext uri="{28A0092B-C50C-407E-A947-70E740481C1C}">
+                <a14:useLocalDpi xmlns:a14="http://schemas.microsoft.com/office/drawing/2010/main" val="0"/>
+              </a:ext>
+            </a:extLst>
+          </a:blip>
+          <a:stretch>
+            <a:fillRect/>
+          </a:stretch>
+        </p:blipFill>
+        <p:spPr>
+          <a:xfrm>
+            <a:off x="2244842" y="-2572065"/>
+            <a:ext cx="4689294" cy="4865374"/>
+          </a:xfrm>
+          <a:prstGeom prst="rect">
+            <a:avLst/>
+          </a:prstGeom>
+        </p:spPr>
+      </p:pic>
+      <p:pic>
+        <p:nvPicPr>
+          <p:cNvPr id="14" name="Picture 13"/>
+          <p:cNvPicPr>
+            <a:picLocks noChangeAspect="1"/>
+          </p:cNvPicPr>
+          <p:nvPr/>
+        </p:nvPicPr>
+        <p:blipFill>
+          <a:blip r:embed="rId3">
+            <a:extLst>
+              <a:ext uri="{28A0092B-C50C-407E-A947-70E740481C1C}">
+                <a14:useLocalDpi xmlns:a14="http://schemas.microsoft.com/office/drawing/2010/main" val="0"/>
+              </a:ext>
+            </a:extLst>
+          </a:blip>
+          <a:stretch>
+            <a:fillRect/>
+          </a:stretch>
+        </p:blipFill>
+        <p:spPr>
+          <a:xfrm>
+            <a:off x="2244842" y="2897455"/>
+            <a:ext cx="5408287" cy="8034176"/>
+          </a:xfrm>
+          <a:prstGeom prst="rect">
+            <a:avLst/>
+          </a:prstGeom>
+        </p:spPr>
+      </p:pic>
+      <p:pic>
+        <p:nvPicPr>
+          <p:cNvPr id="15" name="Picture 14"/>
+          <p:cNvPicPr>
+            <a:picLocks noChangeAspect="1"/>
+          </p:cNvPicPr>
+          <p:nvPr/>
+        </p:nvPicPr>
+        <p:blipFill>
+          <a:blip r:embed="rId4">
+            <a:extLst>
+              <a:ext uri="{28A0092B-C50C-407E-A947-70E740481C1C}">
+                <a14:useLocalDpi xmlns:a14="http://schemas.microsoft.com/office/drawing/2010/main" val="0"/>
+              </a:ext>
+            </a:extLst>
+          </a:blip>
+          <a:stretch>
+            <a:fillRect/>
+          </a:stretch>
+        </p:blipFill>
+        <p:spPr>
+          <a:xfrm>
+            <a:off x="7653129" y="-2549479"/>
+            <a:ext cx="5683709" cy="3162301"/>
+          </a:xfrm>
+          <a:prstGeom prst="rect">
+            <a:avLst/>
+          </a:prstGeom>
+        </p:spPr>
+      </p:pic>
+      <p:sp>
+        <p:nvSpPr>
+          <p:cNvPr id="16" name="TextBox 15"/>
+          <p:cNvSpPr txBox="1"/>
+          <p:nvPr/>
+        </p:nvSpPr>
+        <p:spPr>
+          <a:xfrm>
+            <a:off x="2228340" y="-3073486"/>
+            <a:ext cx="2255682" cy="461665"/>
+          </a:xfrm>
+          <a:prstGeom prst="rect">
+            <a:avLst/>
+          </a:prstGeom>
+          <a:noFill/>
+        </p:spPr>
+        <p:txBody>
+          <a:bodyPr wrap="none" rtlCol="0">
+            <a:spAutoFit/>
+          </a:bodyPr>
+          <a:lstStyle/>
+          <a:p>
+            <a:r>
+              <a:rPr lang="en-US" sz="2400" b="1" dirty="0" smtClean="0">
+                <a:solidFill>
+                  <a:srgbClr val="C00000"/>
+                </a:solidFill>
+              </a:rPr>
+              <a:t>(a</a:t>
+            </a:r>
+            <a:r>
+              <a:rPr lang="en-US" sz="2400" b="1" smtClean="0">
+                <a:solidFill>
+                  <a:srgbClr val="C00000"/>
+                </a:solidFill>
+              </a:rPr>
+              <a:t>) Initialization</a:t>
+            </a:r>
+            <a:endParaRPr lang="en-US" sz="2400" b="1" dirty="0">
+              <a:solidFill>
+                <a:srgbClr val="C00000"/>
+              </a:solidFill>
+            </a:endParaRPr>
+          </a:p>
+        </p:txBody>
+      </p:sp>
+      <p:sp>
+        <p:nvSpPr>
+          <p:cNvPr id="17" name="TextBox 16"/>
+          <p:cNvSpPr txBox="1"/>
+          <p:nvPr/>
+        </p:nvSpPr>
+        <p:spPr>
+          <a:xfrm>
+            <a:off x="2228340" y="2411141"/>
+            <a:ext cx="3153812" cy="461665"/>
+          </a:xfrm>
+          <a:prstGeom prst="rect">
+            <a:avLst/>
+          </a:prstGeom>
+          <a:noFill/>
+        </p:spPr>
+        <p:txBody>
+          <a:bodyPr wrap="none" rtlCol="0">
+            <a:spAutoFit/>
+          </a:bodyPr>
+          <a:lstStyle/>
+          <a:p>
+            <a:r>
+              <a:rPr lang="en-US" sz="2400" b="1" dirty="0" smtClean="0">
+                <a:solidFill>
+                  <a:srgbClr val="C00000"/>
+                </a:solidFill>
+              </a:rPr>
+              <a:t>(b) Gibbs node sampler</a:t>
+            </a:r>
+            <a:endParaRPr lang="en-US" sz="2400" b="1" dirty="0">
+              <a:solidFill>
+                <a:srgbClr val="C00000"/>
+              </a:solidFill>
+            </a:endParaRPr>
+          </a:p>
+        </p:txBody>
+      </p:sp>
+      <p:sp>
+        <p:nvSpPr>
+          <p:cNvPr id="18" name="TextBox 17"/>
+          <p:cNvSpPr txBox="1"/>
+          <p:nvPr/>
+        </p:nvSpPr>
+        <p:spPr>
+          <a:xfrm>
+            <a:off x="7653129" y="-3073486"/>
+            <a:ext cx="3754939" cy="461665"/>
+          </a:xfrm>
+          <a:prstGeom prst="rect">
+            <a:avLst/>
+          </a:prstGeom>
+          <a:noFill/>
+        </p:spPr>
+        <p:txBody>
+          <a:bodyPr wrap="none" rtlCol="0">
+            <a:spAutoFit/>
+          </a:bodyPr>
+          <a:lstStyle/>
+          <a:p>
+            <a:r>
+              <a:rPr lang="en-US" sz="2400" b="1" dirty="0" smtClean="0">
+                <a:solidFill>
+                  <a:srgbClr val="C00000"/>
+                </a:solidFill>
+              </a:rPr>
+              <a:t>(c) </a:t>
+            </a:r>
+            <a:r>
+              <a:rPr lang="en-US" sz="2400" b="1" dirty="0" smtClean="0">
+                <a:solidFill>
+                  <a:srgbClr val="C00000"/>
+                </a:solidFill>
+              </a:rPr>
+              <a:t>Gibbs node </a:t>
+            </a:r>
+            <a:r>
+              <a:rPr lang="en-US" sz="2400" b="1" dirty="0" err="1" smtClean="0">
+                <a:solidFill>
+                  <a:srgbClr val="C00000"/>
+                </a:solidFill>
+              </a:rPr>
+              <a:t>ampling</a:t>
+            </a:r>
+            <a:r>
+              <a:rPr lang="en-US" sz="2400" b="1" dirty="0" smtClean="0">
+                <a:solidFill>
+                  <a:srgbClr val="C00000"/>
+                </a:solidFill>
+              </a:rPr>
+              <a:t> </a:t>
+            </a:r>
+            <a:r>
+              <a:rPr lang="en-US" sz="2400" b="1" dirty="0" smtClean="0">
+                <a:solidFill>
+                  <a:srgbClr val="C00000"/>
+                </a:solidFill>
+              </a:rPr>
+              <a:t>loop</a:t>
+            </a:r>
+            <a:endParaRPr lang="en-US" sz="2400" b="1" dirty="0">
+              <a:solidFill>
+                <a:srgbClr val="C00000"/>
+              </a:solidFill>
+            </a:endParaRPr>
+          </a:p>
+        </p:txBody>
+      </p:sp>
+      <p:pic>
+        <p:nvPicPr>
+          <p:cNvPr id="8" name="Picture 7"/>
+          <p:cNvPicPr>
+            <a:picLocks noChangeAspect="1"/>
+          </p:cNvPicPr>
+          <p:nvPr/>
+        </p:nvPicPr>
+        <p:blipFill>
+          <a:blip r:embed="rId5">
+            <a:extLst>
+              <a:ext uri="{28A0092B-C50C-407E-A947-70E740481C1C}">
+                <a14:useLocalDpi xmlns:a14="http://schemas.microsoft.com/office/drawing/2010/main" val="0"/>
+              </a:ext>
+            </a:extLst>
+          </a:blip>
+          <a:stretch>
+            <a:fillRect/>
+          </a:stretch>
+        </p:blipFill>
+        <p:spPr>
+          <a:xfrm>
+            <a:off x="8112458" y="1035015"/>
+            <a:ext cx="5224380" cy="2473960"/>
+          </a:xfrm>
+          <a:prstGeom prst="rect">
+            <a:avLst/>
+          </a:prstGeom>
+        </p:spPr>
+      </p:pic>
+      <p:sp>
+        <p:nvSpPr>
+          <p:cNvPr id="9" name="TextBox 8"/>
+          <p:cNvSpPr txBox="1"/>
+          <p:nvPr/>
+        </p:nvSpPr>
+        <p:spPr>
+          <a:xfrm>
+            <a:off x="8112458" y="623415"/>
+            <a:ext cx="2706254" cy="461665"/>
+          </a:xfrm>
+          <a:prstGeom prst="rect">
+            <a:avLst/>
+          </a:prstGeom>
+          <a:noFill/>
+        </p:spPr>
+        <p:txBody>
+          <a:bodyPr wrap="none" rtlCol="0">
+            <a:spAutoFit/>
+          </a:bodyPr>
+          <a:lstStyle/>
+          <a:p>
+            <a:r>
+              <a:rPr lang="en-US" sz="2400" b="1" dirty="0" smtClean="0">
+                <a:solidFill>
+                  <a:srgbClr val="C00000"/>
+                </a:solidFill>
+              </a:rPr>
+              <a:t>(d) Message update</a:t>
+            </a:r>
+            <a:endParaRPr lang="en-US" sz="2400" b="1" dirty="0">
+              <a:solidFill>
+                <a:srgbClr val="C00000"/>
+              </a:solidFill>
+            </a:endParaRPr>
+          </a:p>
+        </p:txBody>
+      </p:sp>
+      <p:pic>
+        <p:nvPicPr>
+          <p:cNvPr id="10" name="Picture 9"/>
+          <p:cNvPicPr>
+            <a:picLocks noChangeAspect="1"/>
+          </p:cNvPicPr>
+          <p:nvPr/>
+        </p:nvPicPr>
+        <p:blipFill>
+          <a:blip r:embed="rId6">
+            <a:extLst>
+              <a:ext uri="{28A0092B-C50C-407E-A947-70E740481C1C}">
+                <a14:useLocalDpi xmlns:a14="http://schemas.microsoft.com/office/drawing/2010/main" val="0"/>
+              </a:ext>
+            </a:extLst>
+          </a:blip>
+          <a:stretch>
+            <a:fillRect/>
+          </a:stretch>
+        </p:blipFill>
+        <p:spPr>
+          <a:xfrm>
+            <a:off x="8112458" y="4070314"/>
+            <a:ext cx="4268095" cy="4738370"/>
+          </a:xfrm>
+          <a:prstGeom prst="rect">
+            <a:avLst/>
+          </a:prstGeom>
+        </p:spPr>
+      </p:pic>
+      <p:sp>
+        <p:nvSpPr>
+          <p:cNvPr id="11" name="TextBox 10"/>
+          <p:cNvSpPr txBox="1"/>
+          <p:nvPr/>
+        </p:nvSpPr>
+        <p:spPr>
+          <a:xfrm>
+            <a:off x="8098847" y="3658713"/>
+            <a:ext cx="3689921" cy="461665"/>
+          </a:xfrm>
+          <a:prstGeom prst="rect">
+            <a:avLst/>
+          </a:prstGeom>
+          <a:noFill/>
+        </p:spPr>
+        <p:txBody>
+          <a:bodyPr wrap="none" rtlCol="0">
+            <a:spAutoFit/>
+          </a:bodyPr>
+          <a:lstStyle/>
+          <a:p>
+            <a:r>
+              <a:rPr lang="en-US" sz="2400" b="1" dirty="0" smtClean="0">
+                <a:solidFill>
+                  <a:srgbClr val="C00000"/>
+                </a:solidFill>
+              </a:rPr>
+              <a:t>(e) Serial block propagation</a:t>
+            </a:r>
+            <a:endParaRPr lang="en-US" sz="2400" b="1" dirty="0">
+              <a:solidFill>
+                <a:srgbClr val="C00000"/>
+              </a:solidFill>
+            </a:endParaRPr>
+          </a:p>
+        </p:txBody>
+      </p:sp>
+      <p:pic>
+        <p:nvPicPr>
+          <p:cNvPr id="12" name="Picture 11"/>
+          <p:cNvPicPr>
+            <a:picLocks noChangeAspect="1"/>
+          </p:cNvPicPr>
+          <p:nvPr/>
+        </p:nvPicPr>
+        <p:blipFill>
+          <a:blip r:embed="rId7">
+            <a:extLst>
+              <a:ext uri="{28A0092B-C50C-407E-A947-70E740481C1C}">
+                <a14:useLocalDpi xmlns:a14="http://schemas.microsoft.com/office/drawing/2010/main" val="0"/>
+              </a:ext>
+            </a:extLst>
+          </a:blip>
+          <a:stretch>
+            <a:fillRect/>
+          </a:stretch>
+        </p:blipFill>
+        <p:spPr>
+          <a:xfrm>
+            <a:off x="8112458" y="9035655"/>
+            <a:ext cx="2394593" cy="1895976"/>
+          </a:xfrm>
+          <a:prstGeom prst="rect">
+            <a:avLst/>
+          </a:prstGeom>
+        </p:spPr>
+      </p:pic>
+      <p:sp>
+        <p:nvSpPr>
+          <p:cNvPr id="13" name="TextBox 12"/>
+          <p:cNvSpPr txBox="1"/>
+          <p:nvPr/>
+        </p:nvSpPr>
+        <p:spPr>
+          <a:xfrm>
+            <a:off x="10527236" y="9035655"/>
+            <a:ext cx="2459006" cy="461665"/>
+          </a:xfrm>
+          <a:prstGeom prst="rect">
+            <a:avLst/>
+          </a:prstGeom>
+          <a:noFill/>
+        </p:spPr>
+        <p:txBody>
+          <a:bodyPr wrap="none" rtlCol="0">
+            <a:spAutoFit/>
+          </a:bodyPr>
+          <a:lstStyle/>
+          <a:p>
+            <a:r>
+              <a:rPr lang="en-US" sz="2400" b="1" dirty="0" smtClean="0">
+                <a:solidFill>
+                  <a:srgbClr val="C00000"/>
+                </a:solidFill>
+              </a:rPr>
+              <a:t>(f) Traversal order</a:t>
+            </a:r>
+            <a:endParaRPr lang="en-US" sz="2400" b="1" dirty="0">
+              <a:solidFill>
+                <a:srgbClr val="C00000"/>
+              </a:solidFill>
+            </a:endParaRPr>
+          </a:p>
+        </p:txBody>
+      </p:sp>
+      <p:pic>
+        <p:nvPicPr>
+          <p:cNvPr id="19" name="Picture 18"/>
+          <p:cNvPicPr>
+            <a:picLocks noChangeAspect="1"/>
+          </p:cNvPicPr>
+          <p:nvPr/>
+        </p:nvPicPr>
+        <p:blipFill>
+          <a:blip r:embed="rId3">
+            <a:extLst>
+              <a:ext uri="{28A0092B-C50C-407E-A947-70E740481C1C}">
+                <a14:useLocalDpi xmlns:a14="http://schemas.microsoft.com/office/drawing/2010/main" val="0"/>
+              </a:ext>
+            </a:extLst>
+          </a:blip>
+          <a:stretch>
+            <a:fillRect/>
+          </a:stretch>
+        </p:blipFill>
+        <p:spPr>
+          <a:xfrm>
+            <a:off x="13622974" y="-2611821"/>
+            <a:ext cx="4888339" cy="7261778"/>
+          </a:xfrm>
+          <a:prstGeom prst="rect">
+            <a:avLst/>
+          </a:prstGeom>
+        </p:spPr>
+      </p:pic>
+      <p:sp>
+        <p:nvSpPr>
+          <p:cNvPr id="20" name="TextBox 19"/>
+          <p:cNvSpPr txBox="1"/>
+          <p:nvPr/>
+        </p:nvSpPr>
+        <p:spPr>
+          <a:xfrm>
+            <a:off x="13622973" y="-3073486"/>
             <a:ext cx="3057247" cy="461665"/>
           </a:xfrm>
           <a:prstGeom prst="rect">
@@ -3462,16 +4123,46 @@
           </a:p>
         </p:txBody>
       </p:sp>
-      <p:sp>
-        <p:nvSpPr>
-          <p:cNvPr id="11" name="TextBox 10"/>
+      <p:pic>
+        <p:nvPicPr>
+          <p:cNvPr id="21" name="Picture 20"/>
+          <p:cNvPicPr>
+            <a:picLocks noChangeAspect="1"/>
+          </p:cNvPicPr>
+          <p:nvPr/>
+        </p:nvPicPr>
+        <p:blipFill>
+          <a:blip r:embed="rId4">
+            <a:extLst>
+              <a:ext uri="{28A0092B-C50C-407E-A947-70E740481C1C}">
+                <a14:useLocalDpi xmlns:a14="http://schemas.microsoft.com/office/drawing/2010/main" val="0"/>
+              </a:ext>
+            </a:extLst>
+          </a:blip>
+          <a:stretch>
+            <a:fillRect/>
+          </a:stretch>
+        </p:blipFill>
+        <p:spPr>
+          <a:xfrm>
+            <a:off x="13045246" y="5307801"/>
+            <a:ext cx="5270513" cy="2932407"/>
+          </a:xfrm>
+          <a:prstGeom prst="rect">
+            <a:avLst/>
+          </a:prstGeom>
+        </p:spPr>
+      </p:pic>
+      <p:sp>
+        <p:nvSpPr>
+          <p:cNvPr id="22" name="TextBox 21"/>
           <p:cNvSpPr txBox="1"/>
           <p:nvPr/>
         </p:nvSpPr>
         <p:spPr>
           <a:xfrm>
-            <a:off x="6421140" y="200539"/>
-            <a:ext cx="3689921" cy="461665"/>
+            <a:off x="13031507" y="4770876"/>
+            <a:ext cx="3968138" cy="461665"/>
           </a:xfrm>
           <a:prstGeom prst="rect">
             <a:avLst/>
@@ -3490,99 +4181,15 @@
                   <a:srgbClr val="C00000"/>
                 </a:solidFill>
               </a:rPr>
-              <a:t>(e) </a:t>
-            </a:r>
-            <a:r>
-              <a:rPr lang="en-US" sz="2400" b="1" dirty="0" smtClean="0">
-                <a:solidFill>
-                  <a:srgbClr val="C00000"/>
-                </a:solidFill>
-              </a:rPr>
-              <a:t>Serial block propagation</a:t>
-            </a:r>
-            <a:endParaRPr lang="en-US" sz="2400" b="1" dirty="0">
-              <a:solidFill>
-                <a:srgbClr val="C00000"/>
-              </a:solidFill>
-            </a:endParaRPr>
-          </a:p>
-        </p:txBody>
-      </p:sp>
-      <p:sp>
-        <p:nvSpPr>
-          <p:cNvPr id="12" name="TextBox 11"/>
-          <p:cNvSpPr txBox="1"/>
-          <p:nvPr/>
-        </p:nvSpPr>
-        <p:spPr>
-          <a:xfrm>
-            <a:off x="8568798" y="5669759"/>
-            <a:ext cx="2459006" cy="461665"/>
-          </a:xfrm>
-          <a:prstGeom prst="rect">
-            <a:avLst/>
-          </a:prstGeom>
-          <a:noFill/>
-        </p:spPr>
-        <p:txBody>
-          <a:bodyPr wrap="none" rtlCol="0">
-            <a:spAutoFit/>
-          </a:bodyPr>
-          <a:lstStyle/>
-          <a:p>
-            <a:r>
-              <a:rPr lang="en-US" sz="2400" b="1" dirty="0" smtClean="0">
-                <a:solidFill>
-                  <a:srgbClr val="C00000"/>
-                </a:solidFill>
-              </a:rPr>
-              <a:t>(f) </a:t>
-            </a:r>
-            <a:r>
-              <a:rPr lang="en-US" sz="2400" b="1" dirty="0" smtClean="0">
-                <a:solidFill>
-                  <a:srgbClr val="C00000"/>
-                </a:solidFill>
-              </a:rPr>
-              <a:t>Traversal order</a:t>
-            </a:r>
-            <a:endParaRPr lang="en-US" sz="2400" b="1" dirty="0">
-              <a:solidFill>
-                <a:srgbClr val="C00000"/>
-              </a:solidFill>
-            </a:endParaRPr>
-          </a:p>
-        </p:txBody>
-      </p:sp>
-      <p:sp>
-        <p:nvSpPr>
-          <p:cNvPr id="13" name="TextBox 12"/>
-          <p:cNvSpPr txBox="1"/>
-          <p:nvPr/>
-        </p:nvSpPr>
-        <p:spPr>
-          <a:xfrm>
-            <a:off x="9003020" y="7334902"/>
-            <a:ext cx="2425664" cy="461665"/>
-          </a:xfrm>
-          <a:prstGeom prst="rect">
-            <a:avLst/>
-          </a:prstGeom>
-          <a:noFill/>
-        </p:spPr>
-        <p:txBody>
-          <a:bodyPr wrap="none" rtlCol="0">
-            <a:spAutoFit/>
-          </a:bodyPr>
-          <a:lstStyle/>
-          <a:p>
+              <a:t>(h</a:t>
+            </a:r>
             <a:r>
               <a:rPr lang="en-US" sz="2400" b="1" smtClean="0">
                 <a:solidFill>
                   <a:srgbClr val="C00000"/>
                 </a:solidFill>
               </a:rPr>
-              <a:t>(h) </a:t>
+              <a:t>) </a:t>
             </a:r>
             <a:r>
               <a:rPr lang="en-US" sz="2400" b="1" smtClean="0">
@@ -3590,7 +4197,7 @@
                   <a:srgbClr val="C00000"/>
                 </a:solidFill>
               </a:rPr>
-              <a:t>Sampling </a:t>
+              <a:t>Gibbs block sampling </a:t>
             </a:r>
             <a:r>
               <a:rPr lang="en-US" sz="2400" b="1" dirty="0" smtClean="0">
@@ -3611,7 +4218,7 @@
     </p:spTree>
     <p:extLst>
       <p:ext uri="{BB962C8B-B14F-4D97-AF65-F5344CB8AC3E}">
-        <p14:creationId xmlns:p14="http://schemas.microsoft.com/office/powerpoint/2010/main" val="1958789892"/>
+        <p14:creationId xmlns:p14="http://schemas.microsoft.com/office/powerpoint/2010/main" val="1375479896"/>
       </p:ext>
     </p:extLst>
   </p:cSld>

--- a/ps6/computational/code_screenshots/code.pptx
+++ b/ps6/computational/code_screenshots/code.pptx
@@ -3681,8 +3681,8 @@
         </p:blipFill>
         <p:spPr>
           <a:xfrm>
-            <a:off x="7653129" y="-2549479"/>
-            <a:ext cx="5683709" cy="3162301"/>
+            <a:off x="7489371" y="-2549479"/>
+            <a:ext cx="5847467" cy="3253413"/>
           </a:xfrm>
           <a:prstGeom prst="rect">
             <a:avLst/>
@@ -3781,8 +3781,8 @@
         </p:nvSpPr>
         <p:spPr>
           <a:xfrm>
-            <a:off x="7653129" y="-3073486"/>
-            <a:ext cx="3754939" cy="461665"/>
+            <a:off x="7489371" y="-3073486"/>
+            <a:ext cx="3878369" cy="461665"/>
           </a:xfrm>
           <a:prstGeom prst="rect">
             <a:avLst/>
@@ -3801,7 +3801,7 @@
                   <a:srgbClr val="C00000"/>
                 </a:solidFill>
               </a:rPr>
-              <a:t>(c) </a:t>
+              <a:t>(c) Gibbs node </a:t>
             </a:r>
             <a:r>
               <a:rPr lang="en-US" sz="2400" b="1" dirty="0" smtClean="0">
@@ -3809,23 +3809,7 @@
                   <a:srgbClr val="C00000"/>
                 </a:solidFill>
               </a:rPr>
-              <a:t>Gibbs node </a:t>
-            </a:r>
-            <a:r>
-              <a:rPr lang="en-US" sz="2400" b="1" dirty="0" err="1" smtClean="0">
-                <a:solidFill>
-                  <a:srgbClr val="C00000"/>
-                </a:solidFill>
-              </a:rPr>
-              <a:t>ampling</a:t>
-            </a:r>
-            <a:r>
-              <a:rPr lang="en-US" sz="2400" b="1" dirty="0" smtClean="0">
-                <a:solidFill>
-                  <a:srgbClr val="C00000"/>
-                </a:solidFill>
-              </a:rPr>
-              <a:t> </a:t>
+              <a:t>sampling </a:t>
             </a:r>
             <a:r>
               <a:rPr lang="en-US" sz="2400" b="1" dirty="0" smtClean="0">
@@ -3865,8 +3849,8 @@
         </p:blipFill>
         <p:spPr>
           <a:xfrm>
-            <a:off x="8112458" y="1035015"/>
-            <a:ext cx="5224380" cy="2473960"/>
+            <a:off x="7844184" y="1059335"/>
+            <a:ext cx="5492654" cy="2600999"/>
           </a:xfrm>
           <a:prstGeom prst="rect">
             <a:avLst/>
@@ -3933,8 +3917,8 @@
         </p:blipFill>
         <p:spPr>
           <a:xfrm>
-            <a:off x="8112458" y="4070314"/>
-            <a:ext cx="4268095" cy="4738370"/>
+            <a:off x="8063831" y="4097678"/>
+            <a:ext cx="4708165" cy="5226929"/>
           </a:xfrm>
           <a:prstGeom prst="rect">
             <a:avLst/>
@@ -3949,7 +3933,7 @@
         </p:nvSpPr>
         <p:spPr>
           <a:xfrm>
-            <a:off x="8098847" y="3658713"/>
+            <a:off x="8063831" y="3636013"/>
             <a:ext cx="3689921" cy="461665"/>
           </a:xfrm>
           <a:prstGeom prst="rect">
@@ -3979,36 +3963,6 @@
           </a:p>
         </p:txBody>
       </p:sp>
-      <p:pic>
-        <p:nvPicPr>
-          <p:cNvPr id="12" name="Picture 11"/>
-          <p:cNvPicPr>
-            <a:picLocks noChangeAspect="1"/>
-          </p:cNvPicPr>
-          <p:nvPr/>
-        </p:nvPicPr>
-        <p:blipFill>
-          <a:blip r:embed="rId7">
-            <a:extLst>
-              <a:ext uri="{28A0092B-C50C-407E-A947-70E740481C1C}">
-                <a14:useLocalDpi xmlns:a14="http://schemas.microsoft.com/office/drawing/2010/main" val="0"/>
-              </a:ext>
-            </a:extLst>
-          </a:blip>
-          <a:stretch>
-            <a:fillRect/>
-          </a:stretch>
-        </p:blipFill>
-        <p:spPr>
-          <a:xfrm>
-            <a:off x="8112458" y="9035655"/>
-            <a:ext cx="2394593" cy="1895976"/>
-          </a:xfrm>
-          <a:prstGeom prst="rect">
-            <a:avLst/>
-          </a:prstGeom>
-        </p:spPr>
-      </p:pic>
       <p:sp>
         <p:nvSpPr>
           <p:cNvPr id="13" name="TextBox 12"/>
@@ -4017,7 +3971,7 @@
         </p:nvSpPr>
         <p:spPr>
           <a:xfrm>
-            <a:off x="10527236" y="9035655"/>
+            <a:off x="8323342" y="9248188"/>
             <a:ext cx="2459006" cy="461665"/>
           </a:xfrm>
           <a:prstGeom prst="rect">
@@ -4047,36 +4001,6 @@
           </a:p>
         </p:txBody>
       </p:sp>
-      <p:pic>
-        <p:nvPicPr>
-          <p:cNvPr id="19" name="Picture 18"/>
-          <p:cNvPicPr>
-            <a:picLocks noChangeAspect="1"/>
-          </p:cNvPicPr>
-          <p:nvPr/>
-        </p:nvPicPr>
-        <p:blipFill>
-          <a:blip r:embed="rId3">
-            <a:extLst>
-              <a:ext uri="{28A0092B-C50C-407E-A947-70E740481C1C}">
-                <a14:useLocalDpi xmlns:a14="http://schemas.microsoft.com/office/drawing/2010/main" val="0"/>
-              </a:ext>
-            </a:extLst>
-          </a:blip>
-          <a:stretch>
-            <a:fillRect/>
-          </a:stretch>
-        </p:blipFill>
-        <p:spPr>
-          <a:xfrm>
-            <a:off x="13622974" y="-2611821"/>
-            <a:ext cx="4888339" cy="7261778"/>
-          </a:xfrm>
-          <a:prstGeom prst="rect">
-            <a:avLst/>
-          </a:prstGeom>
-        </p:spPr>
-      </p:pic>
       <p:sp>
         <p:nvSpPr>
           <p:cNvPr id="20" name="TextBox 19"/>
@@ -4146,7 +4070,7 @@
         <p:spPr>
           <a:xfrm>
             <a:off x="13045246" y="5307801"/>
-            <a:ext cx="5270513" cy="2932407"/>
+            <a:ext cx="5423524" cy="3017539"/>
           </a:xfrm>
           <a:prstGeom prst="rect">
             <a:avLst/>
@@ -4189,15 +4113,7 @@
                   <a:srgbClr val="C00000"/>
                 </a:solidFill>
               </a:rPr>
-              <a:t>) </a:t>
-            </a:r>
-            <a:r>
-              <a:rPr lang="en-US" sz="2400" b="1" smtClean="0">
-                <a:solidFill>
-                  <a:srgbClr val="C00000"/>
-                </a:solidFill>
-              </a:rPr>
-              <a:t>Gibbs block sampling </a:t>
+              <a:t>) Gibbs block sampling </a:t>
             </a:r>
             <a:r>
               <a:rPr lang="en-US" sz="2400" b="1" dirty="0" smtClean="0">
@@ -4215,6 +4131,96 @@
           </a:p>
         </p:txBody>
       </p:sp>
+      <p:pic>
+        <p:nvPicPr>
+          <p:cNvPr id="2" name="Picture 1"/>
+          <p:cNvPicPr>
+            <a:picLocks noChangeAspect="1"/>
+          </p:cNvPicPr>
+          <p:nvPr/>
+        </p:nvPicPr>
+        <p:blipFill>
+          <a:blip r:embed="rId7">
+            <a:extLst>
+              <a:ext uri="{28A0092B-C50C-407E-A947-70E740481C1C}">
+                <a14:useLocalDpi xmlns:a14="http://schemas.microsoft.com/office/drawing/2010/main" val="0"/>
+              </a:ext>
+            </a:extLst>
+          </a:blip>
+          <a:stretch>
+            <a:fillRect/>
+          </a:stretch>
+        </p:blipFill>
+        <p:spPr>
+          <a:xfrm>
+            <a:off x="13622973" y="-2549480"/>
+            <a:ext cx="4845797" cy="7245095"/>
+          </a:xfrm>
+          <a:prstGeom prst="rect">
+            <a:avLst/>
+          </a:prstGeom>
+        </p:spPr>
+      </p:pic>
+      <p:pic>
+        <p:nvPicPr>
+          <p:cNvPr id="4" name="Picture 3"/>
+          <p:cNvPicPr>
+            <a:picLocks noChangeAspect="1"/>
+          </p:cNvPicPr>
+          <p:nvPr/>
+        </p:nvPicPr>
+        <p:blipFill>
+          <a:blip r:embed="rId8">
+            <a:extLst>
+              <a:ext uri="{28A0092B-C50C-407E-A947-70E740481C1C}">
+                <a14:useLocalDpi xmlns:a14="http://schemas.microsoft.com/office/drawing/2010/main" val="0"/>
+              </a:ext>
+            </a:extLst>
+          </a:blip>
+          <a:stretch>
+            <a:fillRect/>
+          </a:stretch>
+        </p:blipFill>
+        <p:spPr>
+          <a:xfrm>
+            <a:off x="8323342" y="9709853"/>
+            <a:ext cx="2935657" cy="1221777"/>
+          </a:xfrm>
+          <a:prstGeom prst="rect">
+            <a:avLst/>
+          </a:prstGeom>
+        </p:spPr>
+      </p:pic>
+      <p:pic>
+        <p:nvPicPr>
+          <p:cNvPr id="5" name="Picture 4"/>
+          <p:cNvPicPr>
+            <a:picLocks noChangeAspect="1"/>
+          </p:cNvPicPr>
+          <p:nvPr/>
+        </p:nvPicPr>
+        <p:blipFill>
+          <a:blip r:embed="rId9">
+            <a:extLst>
+              <a:ext uri="{28A0092B-C50C-407E-A947-70E740481C1C}">
+                <a14:useLocalDpi xmlns:a14="http://schemas.microsoft.com/office/drawing/2010/main" val="0"/>
+              </a:ext>
+            </a:extLst>
+          </a:blip>
+          <a:stretch>
+            <a:fillRect/>
+          </a:stretch>
+        </p:blipFill>
+        <p:spPr>
+          <a:xfrm>
+            <a:off x="11258999" y="9712943"/>
+            <a:ext cx="3025994" cy="1218687"/>
+          </a:xfrm>
+          <a:prstGeom prst="rect">
+            <a:avLst/>
+          </a:prstGeom>
+        </p:spPr>
+      </p:pic>
     </p:spTree>
     <p:extLst>
       <p:ext uri="{BB962C8B-B14F-4D97-AF65-F5344CB8AC3E}">

--- a/ps6/computational/code_screenshots/code.pptx
+++ b/ps6/computational/code_screenshots/code.pptx
@@ -3801,23 +3801,7 @@
                   <a:srgbClr val="C00000"/>
                 </a:solidFill>
               </a:rPr>
-              <a:t>(c) Gibbs node </a:t>
-            </a:r>
-            <a:r>
-              <a:rPr lang="en-US" sz="2400" b="1" dirty="0" smtClean="0">
-                <a:solidFill>
-                  <a:srgbClr val="C00000"/>
-                </a:solidFill>
-              </a:rPr>
-              <a:t>sampling </a:t>
-            </a:r>
-            <a:r>
-              <a:rPr lang="en-US" sz="2400" b="1" dirty="0" smtClean="0">
-                <a:solidFill>
-                  <a:srgbClr val="C00000"/>
-                </a:solidFill>
-              </a:rPr>
-              <a:t>loop</a:t>
+              <a:t>(c) Gibbs node sampling loop</a:t>
             </a:r>
             <a:endParaRPr lang="en-US" sz="2400" b="1" dirty="0">
               <a:solidFill>
@@ -3934,7 +3918,7 @@
         <p:spPr>
           <a:xfrm>
             <a:off x="8063831" y="3636013"/>
-            <a:ext cx="3689921" cy="461665"/>
+            <a:ext cx="3731021" cy="461665"/>
           </a:xfrm>
           <a:prstGeom prst="rect">
             <a:avLst/>
@@ -3953,7 +3937,23 @@
                   <a:srgbClr val="C00000"/>
                 </a:solidFill>
               </a:rPr>
-              <a:t>(e) Serial block propagation</a:t>
+              <a:t>(e) </a:t>
+            </a:r>
+            <a:r>
+              <a:rPr lang="en-US" sz="2400" b="1" smtClean="0">
+                <a:solidFill>
+                  <a:srgbClr val="C00000"/>
+                </a:solidFill>
+              </a:rPr>
+              <a:t>Serial </a:t>
+            </a:r>
+            <a:r>
+              <a:rPr lang="en-US" sz="2400" b="1" smtClean="0">
+                <a:solidFill>
+                  <a:srgbClr val="C00000"/>
+                </a:solidFill>
+              </a:rPr>
+              <a:t>belief propagation</a:t>
             </a:r>
             <a:endParaRPr lang="en-US" sz="2400" b="1" dirty="0">
               <a:solidFill>
